--- a/10/Презентация - C# + .NET - Урок 10.pptx
+++ b/10/Презентация - C# + .NET - Урок 10.pptx
@@ -43,16 +43,16 @@
   <p:notesSz cx="6858000" cy="9144000"/>
   <p:embeddedFontLst>
     <p:embeddedFont>
-      <p:font typeface="Roboto Slab" panose="020B0604020202020204" charset="0"/>
+      <p:font typeface="Roboto Mono" panose="020B0604020202020204" charset="0"/>
       <p:regular r:id="rId33"/>
       <p:bold r:id="rId34"/>
+      <p:italic r:id="rId35"/>
+      <p:boldItalic r:id="rId36"/>
     </p:embeddedFont>
     <p:embeddedFont>
-      <p:font typeface="Roboto Mono" panose="020B0604020202020204" charset="0"/>
-      <p:regular r:id="rId35"/>
-      <p:bold r:id="rId36"/>
-      <p:italic r:id="rId37"/>
-      <p:boldItalic r:id="rId38"/>
+      <p:font typeface="Roboto Slab" panose="020B0604020202020204" charset="0"/>
+      <p:regular r:id="rId37"/>
+      <p:bold r:id="rId38"/>
     </p:embeddedFont>
     <p:embeddedFont>
       <p:font typeface="Roboto" panose="020B0604020202020204" charset="0"/>
@@ -9341,31 +9341,7 @@
                 <a:cs typeface="Roboto Mono"/>
                 <a:sym typeface="Roboto Mono"/>
               </a:rPr>
-              <a:t>	</a:t>
-            </a:r>
-            <a:r>
-              <a:rPr lang="ru" sz="1400" dirty="0">
-                <a:solidFill>
-                  <a:srgbClr val="FFFFFF"/>
-                </a:solidFill>
-                <a:latin typeface="Roboto Mono"/>
-                <a:ea typeface="Roboto Mono"/>
-                <a:cs typeface="Roboto Mono"/>
-                <a:sym typeface="Roboto Mono"/>
-              </a:rPr>
-              <a:t> СредстваВРублях = </a:t>
-            </a:r>
-            <a:r>
-              <a:rPr lang="ru" sz="1400" dirty="0">
-                <a:solidFill>
-                  <a:srgbClr val="FFFFFF"/>
-                </a:solidFill>
-                <a:latin typeface="Roboto Mono"/>
-                <a:ea typeface="Roboto Mono"/>
-                <a:cs typeface="Roboto Mono"/>
-                <a:sym typeface="Roboto Mono"/>
-              </a:rPr>
-              <a:t>новая сумма</a:t>
+              <a:t>	 СредстваВРублях = новая сумма</a:t>
             </a:r>
             <a:endParaRPr sz="1400" dirty="0">
               <a:solidFill>
@@ -9646,19 +9622,7 @@
                 <a:cs typeface="Roboto Mono"/>
                 <a:sym typeface="Roboto Mono"/>
               </a:rPr>
-              <a:t>СредстваВРублях = </a:t>
-            </a:r>
-            <a:r>
-              <a:rPr lang="ru" sz="1400" dirty="0">
-                <a:solidFill>
-                  <a:srgbClr val="FFFFFF"/>
-                </a:solidFill>
-                <a:latin typeface="Roboto Mono"/>
-                <a:ea typeface="Roboto Mono"/>
-                <a:cs typeface="Roboto Mono"/>
-                <a:sym typeface="Roboto Mono"/>
-              </a:rPr>
-              <a:t>новая сумма * 66</a:t>
+              <a:t>СредстваВРублях = новая сумма * 66</a:t>
             </a:r>
             <a:endParaRPr sz="1400" dirty="0">
               <a:solidFill>
